--- a/Web/WeixinWork-Notes.pptx
+++ b/Web/WeixinWork-Notes.pptx
@@ -13,9 +13,19 @@
     <p:sldId id="264" r:id="rId5"/>
     <p:sldId id="269" r:id="rId7"/>
     <p:sldId id="273" r:id="rId8"/>
+    <p:sldId id="277" r:id="rId9"/>
+    <p:sldId id="274" r:id="rId10"/>
+    <p:sldId id="275" r:id="rId11"/>
+    <p:sldId id="276" r:id="rId12"/>
+    <p:sldId id="278" r:id="rId13"/>
+    <p:sldId id="279" r:id="rId14"/>
+    <p:sldId id="283" r:id="rId15"/>
   </p:sldIdLst>
   <p:sldSz cx="12192635" cy="6858000"/>
   <p:notesSz cx="6858000" cy="9144000"/>
+  <p:custDataLst>
+    <p:tags r:id="rId20"/>
+  </p:custDataLst>
   <p:defaultTextStyle>
     <a:defPPr>
       <a:defRPr lang="zh-CN"/>
@@ -22085,6 +22095,100 @@
 </p:sld>
 </file>
 
+<file path=ppt/slides/slide10.xml><?xml version="1.0" encoding="utf-8"?>
+<p:sld xmlns:a="http://schemas.openxmlformats.org/drawingml/2006/main" xmlns:r="http://schemas.openxmlformats.org/officeDocument/2006/relationships" xmlns:p="http://schemas.openxmlformats.org/presentationml/2006/main">
+  <p:cSld>
+    <p:spTree>
+      <p:nvGrpSpPr>
+        <p:cNvPr id="1" name=""/>
+        <p:cNvGrpSpPr/>
+        <p:nvPr/>
+      </p:nvGrpSpPr>
+      <p:grpSpPr/>
+      <p:sp>
+        <p:nvSpPr>
+          <p:cNvPr id="2" name="标题 1"/>
+          <p:cNvSpPr>
+            <a:spLocks noGrp="1"/>
+          </p:cNvSpPr>
+          <p:nvPr>
+            <p:ph type="title"/>
+          </p:nvPr>
+        </p:nvSpPr>
+        <p:spPr/>
+        <p:txBody>
+          <a:bodyPr/>
+          <a:p>
+            <a:r>
+              <a:t>扫码登录</a:t>
+            </a:r>
+          </a:p>
+        </p:txBody>
+      </p:sp>
+      <p:sp>
+        <p:nvSpPr>
+          <p:cNvPr id="3" name="内容占位符 2"/>
+          <p:cNvSpPr>
+            <a:spLocks noGrp="1"/>
+          </p:cNvSpPr>
+          <p:nvPr>
+            <p:ph idx="1"/>
+          </p:nvPr>
+        </p:nvSpPr>
+        <p:spPr>
+          <a:xfrm>
+            <a:off x="669925" y="952500"/>
+            <a:ext cx="3837305" cy="5389245"/>
+          </a:xfrm>
+        </p:spPr>
+        <p:txBody>
+          <a:bodyPr/>
+          <a:p>
+            <a:r>
+              <a:rPr lang="zh-CN" altLang="en-US"/>
+              <a:t>流程</a:t>
+            </a:r>
+            <a:endParaRPr lang="zh-CN" altLang="en-US"/>
+          </a:p>
+        </p:txBody>
+      </p:sp>
+      <p:pic>
+        <p:nvPicPr>
+          <p:cNvPr id="100" name="图片 99"/>
+          <p:cNvPicPr/>
+          <p:nvPr/>
+        </p:nvPicPr>
+        <p:blipFill>
+          <a:blip r:embed="rId1"/>
+          <a:stretch>
+            <a:fillRect/>
+          </a:stretch>
+        </p:blipFill>
+        <p:spPr>
+          <a:xfrm>
+            <a:off x="4799965" y="1052830"/>
+            <a:ext cx="7176770" cy="5142865"/>
+          </a:xfrm>
+          <a:prstGeom prst="rect">
+            <a:avLst/>
+          </a:prstGeom>
+          <a:noFill/>
+          <a:ln w="9525">
+            <a:noFill/>
+          </a:ln>
+        </p:spPr>
+      </p:pic>
+    </p:spTree>
+    <p:custDataLst>
+      <p:tags r:id="rId2"/>
+    </p:custDataLst>
+  </p:cSld>
+  <p:clrMapOvr>
+    <a:masterClrMapping/>
+  </p:clrMapOvr>
+</p:sld>
+</file>
+
 <file path=ppt/slides/slide2.xml><?xml version="1.0" encoding="utf-8"?>
 <p:sld xmlns:a="http://schemas.openxmlformats.org/drawingml/2006/main" xmlns:r="http://schemas.openxmlformats.org/officeDocument/2006/relationships" xmlns:p="http://schemas.openxmlformats.org/presentationml/2006/main">
   <p:cSld>
@@ -22144,6 +22248,44 @@
             </a:r>
             <a:endParaRPr lang="zh-CN" altLang="en-US"/>
           </a:p>
+          <a:p>
+            <a:r>
+              <a:rPr lang="zh-CN" altLang="en-US"/>
+              <a:t>https://developers.weixin.qq.com/miniprogram/dev/devtools/qywx-dev.html</a:t>
+            </a:r>
+            <a:endParaRPr lang="zh-CN" altLang="en-US"/>
+          </a:p>
+          <a:p>
+            <a:r>
+              <a:rPr lang="zh-CN" altLang="en-US"/>
+              <a:t>https://developers.weixin.qq.com/miniprogram/dev/dev_wxwork/</a:t>
+            </a:r>
+            <a:endParaRPr lang="zh-CN" altLang="en-US"/>
+          </a:p>
+          <a:p>
+            <a:r>
+              <a:rPr lang="zh-CN" altLang="en-US"/>
+              <a:t>https://developers.weixin.qq.com/miniprogram/dev/dev_wxwork/dev-doc/qywx-api.html</a:t>
+            </a:r>
+            <a:r>
+              <a:rPr lang="en-US" altLang="zh-CN"/>
+              <a:t> </a:t>
+            </a:r>
+            <a:r>
+              <a:t>（企微专有接口）</a:t>
+            </a:r>
+          </a:p>
+          <a:p>
+            <a:r>
+              <a:t>https://juejin.cn/post/6844904132122247182</a:t>
+            </a:r>
+          </a:p>
+          <a:p>
+            <a:r>
+              <a:t>https://zhuanlan.zhihu.com/p/462489438</a:t>
+            </a:r>
+          </a:p>
+          <a:p/>
         </p:txBody>
       </p:sp>
     </p:spTree>
@@ -22200,7 +22342,105 @@
         </p:nvSpPr>
         <p:spPr/>
         <p:txBody>
-          <a:bodyPr/>
+          <a:bodyPr>
+            <a:normAutofit fontScale="90000" lnSpcReduction="20000"/>
+          </a:bodyPr>
+          <a:p>
+            <a:pPr lvl="0"/>
+            <a:r>
+              <a:rPr>
+                <a:sym typeface="+mn-ea"/>
+              </a:rPr>
+              <a:t>概述</a:t>
+            </a:r>
+            <a:endParaRPr>
+              <a:sym typeface="+mn-ea"/>
+            </a:endParaRPr>
+          </a:p>
+          <a:p>
+            <a:pPr lvl="1"/>
+            <a:r>
+              <a:rPr sz="1400">
+                <a:sym typeface="+mn-ea"/>
+              </a:rPr>
+              <a:t>本质上企业微信小程序是微信小程序的一个扩展子集</a:t>
+            </a:r>
+            <a:endParaRPr sz="1400">
+              <a:sym typeface="+mn-ea"/>
+            </a:endParaRPr>
+          </a:p>
+          <a:p>
+            <a:pPr lvl="1"/>
+            <a:r>
+              <a:rPr sz="1400">
+                <a:sym typeface="+mn-ea"/>
+              </a:rPr>
+              <a:t>在企业微信小程序中可以通过获取用户的 userid 来唯一标识一个员工</a:t>
+            </a:r>
+            <a:endParaRPr sz="1400">
+              <a:sym typeface="+mn-ea"/>
+            </a:endParaRPr>
+          </a:p>
+          <a:p>
+            <a:pPr lvl="1"/>
+            <a:r>
+              <a:rPr sz="1400">
+                <a:sym typeface="+mn-ea"/>
+              </a:rPr>
+              <a:t>企业微信小程序还提供了和员工企业身份相配套的 session 生成以及验证的接口、员工基础信息获取的相关接口，除此以外企业微信还扩展了一些企业微信特有的接口能力</a:t>
+            </a:r>
+            <a:endParaRPr sz="1400">
+              <a:sym typeface="+mn-ea"/>
+            </a:endParaRPr>
+          </a:p>
+          <a:p>
+            <a:pPr lvl="1"/>
+            <a:r>
+              <a:rPr sz="1400">
+                <a:sym typeface="+mn-ea"/>
+              </a:rPr>
+              <a:t>多企业可关联同一个小程序</a:t>
+            </a:r>
+            <a:endParaRPr sz="1400">
+              <a:sym typeface="+mn-ea"/>
+            </a:endParaRPr>
+          </a:p>
+          <a:p>
+            <a:pPr lvl="1"/>
+            <a:r>
+              <a:rPr sz="1400">
+                <a:sym typeface="+mn-ea"/>
+              </a:rPr>
+              <a:t>用户所在企业corpid</a:t>
+            </a:r>
+            <a:endParaRPr sz="1400">
+              <a:sym typeface="+mn-ea"/>
+            </a:endParaRPr>
+          </a:p>
+          <a:p>
+            <a:pPr lvl="1"/>
+            <a:r>
+              <a:rPr sz="1400">
+                <a:sym typeface="+mn-ea"/>
+              </a:rPr>
+              <a:t>会话密钥 session_key</a:t>
+            </a:r>
+            <a:endParaRPr sz="1400">
+              <a:sym typeface="+mn-ea"/>
+            </a:endParaRPr>
+          </a:p>
+          <a:p>
+            <a:pPr lvl="1"/>
+            <a:r>
+              <a:rPr sz="1400">
+                <a:sym typeface="+mn-ea"/>
+              </a:rPr>
+              <a:t>在微信小程序开发者工具(版本号1.02.1903211以上)安装企业微信插件</a:t>
+            </a:r>
+            <a:endParaRPr sz="1400">
+              <a:sym typeface="+mn-ea"/>
+            </a:endParaRPr>
+          </a:p>
           <a:p>
             <a:r>
               <a:rPr lang="zh-CN" altLang="en-US"/>
@@ -22217,14 +22457,18 @@
           <a:p>
             <a:pPr lvl="1"/>
             <a:r>
+              <a:rPr sz="1400"/>
               <a:t>服务商注册应用</a:t>
             </a:r>
+            <a:endParaRPr sz="1400"/>
           </a:p>
           <a:p>
             <a:pPr lvl="1"/>
             <a:r>
+              <a:rPr sz="1400"/>
               <a:t>企业管理员授权应用</a:t>
             </a:r>
+            <a:endParaRPr sz="1400"/>
           </a:p>
           <a:p>
             <a:pPr lvl="0"/>
@@ -22235,23 +22479,765 @@
           <a:p>
             <a:pPr lvl="1"/>
             <a:r>
+              <a:rPr sz="1400"/>
               <a:t>网页应用</a:t>
             </a:r>
+            <a:endParaRPr sz="1400"/>
           </a:p>
           <a:p>
             <a:pPr lvl="1"/>
             <a:r>
+              <a:rPr sz="1400"/>
               <a:t>小程序（微信小程序）</a:t>
             </a:r>
+            <a:endParaRPr sz="1400"/>
           </a:p>
           <a:p>
             <a:pPr lvl="1"/>
+            <a:endParaRPr sz="1400"/>
           </a:p>
         </p:txBody>
       </p:sp>
     </p:spTree>
     <p:custDataLst>
       <p:tags r:id="rId1"/>
+    </p:custDataLst>
+  </p:cSld>
+  <p:clrMapOvr>
+    <a:masterClrMapping/>
+  </p:clrMapOvr>
+</p:sld>
+</file>
+
+<file path=ppt/slides/slide4.xml><?xml version="1.0" encoding="utf-8"?>
+<p:sld xmlns:a="http://schemas.openxmlformats.org/drawingml/2006/main" xmlns:r="http://schemas.openxmlformats.org/officeDocument/2006/relationships" xmlns:p="http://schemas.openxmlformats.org/presentationml/2006/main">
+  <p:cSld>
+    <p:spTree>
+      <p:nvGrpSpPr>
+        <p:cNvPr id="1" name=""/>
+        <p:cNvGrpSpPr/>
+        <p:nvPr/>
+      </p:nvGrpSpPr>
+      <p:grpSpPr/>
+      <p:sp>
+        <p:nvSpPr>
+          <p:cNvPr id="2" name="标题 1"/>
+          <p:cNvSpPr>
+            <a:spLocks noGrp="1"/>
+          </p:cNvSpPr>
+          <p:nvPr>
+            <p:ph type="title"/>
+          </p:nvPr>
+        </p:nvSpPr>
+        <p:spPr/>
+        <p:txBody>
+          <a:bodyPr/>
+          <a:p>
+            <a:r>
+              <a:t>创建应用</a:t>
+            </a:r>
+          </a:p>
+        </p:txBody>
+      </p:sp>
+      <p:sp>
+        <p:nvSpPr>
+          <p:cNvPr id="3" name="内容占位符 2"/>
+          <p:cNvSpPr>
+            <a:spLocks noGrp="1"/>
+          </p:cNvSpPr>
+          <p:nvPr>
+            <p:ph idx="1"/>
+          </p:nvPr>
+        </p:nvSpPr>
+        <p:spPr>
+          <a:xfrm>
+            <a:off x="669925" y="952500"/>
+            <a:ext cx="6681470" cy="5389245"/>
+          </a:xfrm>
+        </p:spPr>
+        <p:txBody>
+          <a:bodyPr/>
+          <a:p>
+            <a:r>
+              <a:rPr lang="en-US" altLang="zh-CN"/>
+              <a:t>References</a:t>
+            </a:r>
+            <a:endParaRPr lang="en-US" altLang="zh-CN"/>
+          </a:p>
+          <a:p>
+            <a:pPr lvl="1"/>
+            <a:r>
+              <a:rPr lang="zh-CN" altLang="en-US"/>
+              <a:t>https://developer.work.weixin.qq.com/tool#/sass/apps/create</a:t>
+            </a:r>
+            <a:endParaRPr lang="zh-CN" altLang="en-US"/>
+          </a:p>
+        </p:txBody>
+      </p:sp>
+      <p:pic>
+        <p:nvPicPr>
+          <p:cNvPr id="4" name="图片 3"/>
+          <p:cNvPicPr>
+            <a:picLocks noChangeAspect="1"/>
+          </p:cNvPicPr>
+          <p:nvPr>
+            <p:custDataLst>
+              <p:tags r:id="rId1"/>
+            </p:custDataLst>
+          </p:nvPr>
+        </p:nvPicPr>
+        <p:blipFill>
+          <a:blip r:embed="rId2"/>
+          <a:stretch>
+            <a:fillRect/>
+          </a:stretch>
+        </p:blipFill>
+        <p:spPr>
+          <a:xfrm>
+            <a:off x="7592695" y="476885"/>
+            <a:ext cx="3930015" cy="5855970"/>
+          </a:xfrm>
+          <a:prstGeom prst="rect">
+            <a:avLst/>
+          </a:prstGeom>
+        </p:spPr>
+      </p:pic>
+      <p:pic>
+        <p:nvPicPr>
+          <p:cNvPr id="5" name="图片 4"/>
+          <p:cNvPicPr>
+            <a:picLocks noChangeAspect="1"/>
+          </p:cNvPicPr>
+          <p:nvPr/>
+        </p:nvPicPr>
+        <p:blipFill>
+          <a:blip r:embed="rId3"/>
+          <a:stretch>
+            <a:fillRect/>
+          </a:stretch>
+        </p:blipFill>
+        <p:spPr>
+          <a:xfrm>
+            <a:off x="4197350" y="2868930"/>
+            <a:ext cx="3395345" cy="3463925"/>
+          </a:xfrm>
+          <a:prstGeom prst="rect">
+            <a:avLst/>
+          </a:prstGeom>
+        </p:spPr>
+      </p:pic>
+    </p:spTree>
+    <p:custDataLst>
+      <p:tags r:id="rId4"/>
+    </p:custDataLst>
+  </p:cSld>
+  <p:clrMapOvr>
+    <a:masterClrMapping/>
+  </p:clrMapOvr>
+</p:sld>
+</file>
+
+<file path=ppt/slides/slide5.xml><?xml version="1.0" encoding="utf-8"?>
+<p:sld xmlns:a="http://schemas.openxmlformats.org/drawingml/2006/main" xmlns:r="http://schemas.openxmlformats.org/officeDocument/2006/relationships" xmlns:p="http://schemas.openxmlformats.org/presentationml/2006/main">
+  <p:cSld>
+    <p:spTree>
+      <p:nvGrpSpPr>
+        <p:cNvPr id="1" name=""/>
+        <p:cNvGrpSpPr/>
+        <p:nvPr/>
+      </p:nvGrpSpPr>
+      <p:grpSpPr/>
+      <p:sp>
+        <p:nvSpPr>
+          <p:cNvPr id="2" name="标题 1"/>
+          <p:cNvSpPr>
+            <a:spLocks noGrp="1"/>
+          </p:cNvSpPr>
+          <p:nvPr>
+            <p:ph type="title"/>
+          </p:nvPr>
+        </p:nvSpPr>
+        <p:spPr/>
+        <p:txBody>
+          <a:bodyPr/>
+          <a:p>
+            <a:r>
+              <a:rPr lang="zh-CN" altLang="en-US"/>
+              <a:t>小程序体验版</a:t>
+            </a:r>
+            <a:endParaRPr lang="zh-CN" altLang="en-US"/>
+          </a:p>
+        </p:txBody>
+      </p:sp>
+      <p:sp>
+        <p:nvSpPr>
+          <p:cNvPr id="3" name="内容占位符 2"/>
+          <p:cNvSpPr>
+            <a:spLocks noGrp="1"/>
+          </p:cNvSpPr>
+          <p:nvPr>
+            <p:ph idx="1"/>
+          </p:nvPr>
+        </p:nvSpPr>
+        <p:spPr/>
+        <p:txBody>
+          <a:bodyPr/>
+          <a:p>
+            <a:r>
+              <a:rPr lang="zh-CN" altLang="en-US"/>
+              <a:t>流程</a:t>
+            </a:r>
+            <a:endParaRPr lang="zh-CN" altLang="en-US"/>
+          </a:p>
+          <a:p>
+            <a:pPr lvl="1"/>
+            <a:r>
+              <a:rPr lang="zh-CN" altLang="en-US" sz="1400"/>
+              <a:t>该企业微信小程序需已关联到企业</a:t>
+            </a:r>
+            <a:endParaRPr lang="zh-CN" altLang="en-US" sz="1400"/>
+          </a:p>
+          <a:p>
+            <a:pPr lvl="1"/>
+            <a:r>
+              <a:rPr lang="zh-CN" altLang="en-US" sz="1400"/>
+              <a:t>开发者在微信开发者工具生成二维码</a:t>
+            </a:r>
+            <a:endParaRPr lang="zh-CN" altLang="en-US" sz="1400"/>
+          </a:p>
+          <a:p>
+            <a:pPr lvl="1"/>
+            <a:r>
+              <a:rPr lang="zh-CN" altLang="en-US" sz="1400"/>
+              <a:t>开发者使用企业微信扫描二维码打开小程序开发版（需登录关联了该小程序的企业）</a:t>
+            </a:r>
+            <a:endParaRPr lang="zh-CN" altLang="en-US" sz="1400"/>
+          </a:p>
+          <a:p>
+            <a:pPr lvl="1"/>
+            <a:r>
+              <a:rPr lang="zh-CN" altLang="en-US" sz="1400"/>
+              <a:t>点击进入右上角"..."--》点击配置体验版</a:t>
+            </a:r>
+            <a:endParaRPr lang="zh-CN" altLang="en-US" sz="1400"/>
+          </a:p>
+          <a:p>
+            <a:pPr lvl="1"/>
+            <a:r>
+              <a:rPr lang="zh-CN" altLang="en-US" sz="1400"/>
+              <a:t>进入页面选择体验成员后，发送体验邀请</a:t>
+            </a:r>
+            <a:endParaRPr lang="zh-CN" altLang="en-US" sz="1400"/>
+          </a:p>
+          <a:p>
+            <a:pPr lvl="1"/>
+            <a:r>
+              <a:rPr lang="zh-CN" altLang="en-US" sz="1400"/>
+              <a:t>成员将收到小程序通知，通过点击小程序通知卡片即可使用该小程序体验版</a:t>
+            </a:r>
+            <a:endParaRPr lang="zh-CN" altLang="en-US" sz="1400"/>
+          </a:p>
+        </p:txBody>
+      </p:sp>
+    </p:spTree>
+    <p:custDataLst>
+      <p:tags r:id="rId1"/>
+    </p:custDataLst>
+  </p:cSld>
+  <p:clrMapOvr>
+    <a:masterClrMapping/>
+  </p:clrMapOvr>
+</p:sld>
+</file>
+
+<file path=ppt/slides/slide6.xml><?xml version="1.0" encoding="utf-8"?>
+<p:sld xmlns:a="http://schemas.openxmlformats.org/drawingml/2006/main" xmlns:r="http://schemas.openxmlformats.org/officeDocument/2006/relationships" xmlns:p="http://schemas.openxmlformats.org/presentationml/2006/main">
+  <p:cSld>
+    <p:spTree>
+      <p:nvGrpSpPr>
+        <p:cNvPr id="1" name=""/>
+        <p:cNvGrpSpPr/>
+        <p:nvPr/>
+      </p:nvGrpSpPr>
+      <p:grpSpPr/>
+      <p:sp>
+        <p:nvSpPr>
+          <p:cNvPr id="2" name="标题 1"/>
+          <p:cNvSpPr>
+            <a:spLocks noGrp="1"/>
+          </p:cNvSpPr>
+          <p:nvPr>
+            <p:ph type="title"/>
+          </p:nvPr>
+        </p:nvSpPr>
+        <p:spPr/>
+        <p:txBody>
+          <a:bodyPr/>
+          <a:p>
+            <a:r>
+              <a:rPr lang="zh-CN" altLang="en-US"/>
+              <a:t>第三方小程序</a:t>
+            </a:r>
+            <a:endParaRPr lang="zh-CN" altLang="en-US"/>
+          </a:p>
+        </p:txBody>
+      </p:sp>
+      <p:sp>
+        <p:nvSpPr>
+          <p:cNvPr id="3" name="内容占位符 2"/>
+          <p:cNvSpPr>
+            <a:spLocks noGrp="1"/>
+          </p:cNvSpPr>
+          <p:nvPr>
+            <p:ph idx="1"/>
+          </p:nvPr>
+        </p:nvSpPr>
+        <p:spPr/>
+        <p:txBody>
+          <a:bodyPr/>
+          <a:p>
+            <a:endParaRPr lang="zh-CN" altLang="en-US"/>
+          </a:p>
+        </p:txBody>
+      </p:sp>
+      <p:pic>
+        <p:nvPicPr>
+          <p:cNvPr id="100" name="图片 99"/>
+          <p:cNvPicPr/>
+          <p:nvPr/>
+        </p:nvPicPr>
+        <p:blipFill>
+          <a:blip r:embed="rId1"/>
+          <a:stretch>
+            <a:fillRect/>
+          </a:stretch>
+        </p:blipFill>
+        <p:spPr>
+          <a:xfrm>
+            <a:off x="5952490" y="981075"/>
+            <a:ext cx="5776595" cy="5309235"/>
+          </a:xfrm>
+          <a:prstGeom prst="rect">
+            <a:avLst/>
+          </a:prstGeom>
+          <a:noFill/>
+          <a:ln w="9525">
+            <a:noFill/>
+          </a:ln>
+        </p:spPr>
+      </p:pic>
+    </p:spTree>
+    <p:custDataLst>
+      <p:tags r:id="rId2"/>
+    </p:custDataLst>
+  </p:cSld>
+  <p:clrMapOvr>
+    <a:masterClrMapping/>
+  </p:clrMapOvr>
+</p:sld>
+</file>
+
+<file path=ppt/slides/slide7.xml><?xml version="1.0" encoding="utf-8"?>
+<p:sld xmlns:a="http://schemas.openxmlformats.org/drawingml/2006/main" xmlns:r="http://schemas.openxmlformats.org/officeDocument/2006/relationships" xmlns:p="http://schemas.openxmlformats.org/presentationml/2006/main">
+  <p:cSld>
+    <p:spTree>
+      <p:nvGrpSpPr>
+        <p:cNvPr id="1" name=""/>
+        <p:cNvGrpSpPr/>
+        <p:nvPr/>
+      </p:nvGrpSpPr>
+      <p:grpSpPr/>
+      <p:sp>
+        <p:nvSpPr>
+          <p:cNvPr id="2" name="标题 1"/>
+          <p:cNvSpPr>
+            <a:spLocks noGrp="1"/>
+          </p:cNvSpPr>
+          <p:nvPr>
+            <p:ph type="title"/>
+          </p:nvPr>
+        </p:nvSpPr>
+        <p:spPr/>
+        <p:txBody>
+          <a:bodyPr/>
+          <a:p>
+            <a:r>
+              <a:rPr lang="zh-CN" altLang="en-US"/>
+              <a:t>企业微信专有接口</a:t>
+            </a:r>
+            <a:endParaRPr lang="zh-CN" altLang="en-US"/>
+          </a:p>
+        </p:txBody>
+      </p:sp>
+      <p:sp>
+        <p:nvSpPr>
+          <p:cNvPr id="3" name="内容占位符 2"/>
+          <p:cNvSpPr>
+            <a:spLocks noGrp="1"/>
+          </p:cNvSpPr>
+          <p:nvPr>
+            <p:ph idx="1"/>
+          </p:nvPr>
+        </p:nvSpPr>
+        <p:spPr/>
+        <p:txBody>
+          <a:bodyPr/>
+          <a:p>
+            <a:r>
+              <a:rPr lang="zh-CN" altLang="en-US"/>
+              <a:t>登录接口</a:t>
+            </a:r>
+            <a:endParaRPr lang="zh-CN" altLang="en-US"/>
+          </a:p>
+          <a:p>
+            <a:r>
+              <a:rPr lang="zh-CN" altLang="en-US"/>
+              <a:t>基础接口</a:t>
+            </a:r>
+            <a:endParaRPr lang="zh-CN" altLang="en-US"/>
+          </a:p>
+          <a:p>
+            <a:r>
+              <a:rPr lang="zh-CN" altLang="en-US"/>
+              <a:t>获取企业成员信息</a:t>
+            </a:r>
+            <a:endParaRPr lang="zh-CN" altLang="en-US"/>
+          </a:p>
+          <a:p>
+            <a:r>
+              <a:rPr lang="zh-CN" altLang="en-US"/>
+              <a:t>企业通讯录与会话</a:t>
+            </a:r>
+            <a:endParaRPr lang="zh-CN" altLang="en-US"/>
+          </a:p>
+          <a:p>
+            <a:r>
+              <a:rPr lang="en-US" altLang="zh-CN"/>
+              <a:t>NFC</a:t>
+            </a:r>
+            <a:r>
+              <a:t>接口</a:t>
+            </a:r>
+          </a:p>
+          <a:p>
+            <a:r>
+              <a:t>发送小程序消息</a:t>
+            </a:r>
+          </a:p>
+          <a:p>
+            <a:r>
+              <a:t>转发成功回调</a:t>
+            </a:r>
+          </a:p>
+        </p:txBody>
+      </p:sp>
+    </p:spTree>
+    <p:custDataLst>
+      <p:tags r:id="rId1"/>
+    </p:custDataLst>
+  </p:cSld>
+  <p:clrMapOvr>
+    <a:masterClrMapping/>
+  </p:clrMapOvr>
+</p:sld>
+</file>
+
+<file path=ppt/slides/slide8.xml><?xml version="1.0" encoding="utf-8"?>
+<p:sld xmlns:a="http://schemas.openxmlformats.org/drawingml/2006/main" xmlns:r="http://schemas.openxmlformats.org/officeDocument/2006/relationships" xmlns:p="http://schemas.openxmlformats.org/presentationml/2006/main">
+  <p:cSld>
+    <p:spTree>
+      <p:nvGrpSpPr>
+        <p:cNvPr id="1" name=""/>
+        <p:cNvGrpSpPr/>
+        <p:nvPr/>
+      </p:nvGrpSpPr>
+      <p:grpSpPr/>
+      <p:sp>
+        <p:nvSpPr>
+          <p:cNvPr id="2" name="标题 1"/>
+          <p:cNvSpPr>
+            <a:spLocks noGrp="1"/>
+          </p:cNvSpPr>
+          <p:nvPr>
+            <p:ph type="title"/>
+          </p:nvPr>
+        </p:nvSpPr>
+        <p:spPr/>
+        <p:txBody>
+          <a:bodyPr/>
+          <a:p>
+            <a:r>
+              <a:rPr lang="en-US" altLang="zh-CN"/>
+              <a:t>API</a:t>
+            </a:r>
+            <a:r>
+              <a:t>概述</a:t>
+            </a:r>
+          </a:p>
+        </p:txBody>
+      </p:sp>
+      <p:sp>
+        <p:nvSpPr>
+          <p:cNvPr id="3" name="内容占位符 2"/>
+          <p:cNvSpPr>
+            <a:spLocks noGrp="1"/>
+          </p:cNvSpPr>
+          <p:nvPr>
+            <p:ph idx="1"/>
+          </p:nvPr>
+        </p:nvSpPr>
+        <p:spPr>
+          <a:xfrm>
+            <a:off x="669925" y="952500"/>
+            <a:ext cx="6381750" cy="5389245"/>
+          </a:xfrm>
+        </p:spPr>
+        <p:txBody>
+          <a:bodyPr>
+            <a:normAutofit lnSpcReduction="10000"/>
+          </a:bodyPr>
+          <a:p>
+            <a:r>
+              <a:rPr lang="zh-CN" altLang="en-US"/>
+              <a:t>概述</a:t>
+            </a:r>
+            <a:endParaRPr lang="zh-CN" altLang="en-US"/>
+          </a:p>
+          <a:p>
+            <a:pPr lvl="1"/>
+            <a:r>
+              <a:rPr lang="zh-CN" altLang="en-US"/>
+              <a:t>基础应用、身份验证、消息推送、通讯录管理、应用管理、客户联系</a:t>
+            </a:r>
+            <a:endParaRPr lang="zh-CN" altLang="en-US"/>
+          </a:p>
+          <a:p>
+            <a:pPr lvl="0"/>
+            <a:r>
+              <a:rPr lang="zh-CN" altLang="en-US"/>
+              <a:t>基本概念</a:t>
+            </a:r>
+            <a:endParaRPr lang="zh-CN" altLang="en-US"/>
+          </a:p>
+          <a:p>
+            <a:pPr lvl="1"/>
+            <a:r>
+              <a:rPr lang="en-US" altLang="zh-CN"/>
+              <a:t>corpid</a:t>
+            </a:r>
+            <a:endParaRPr lang="en-US" altLang="zh-CN"/>
+          </a:p>
+          <a:p>
+            <a:pPr lvl="2"/>
+            <a:r>
+              <a:rPr lang="en-US" altLang="zh-CN"/>
+              <a:t>ww0cc001a61f7eb95e</a:t>
+            </a:r>
+            <a:endParaRPr lang="en-US" altLang="zh-CN"/>
+          </a:p>
+          <a:p>
+            <a:pPr lvl="1"/>
+            <a:r>
+              <a:rPr lang="en-US" altLang="zh-CN"/>
+              <a:t>userid</a:t>
+            </a:r>
+            <a:endParaRPr lang="en-US" altLang="zh-CN"/>
+          </a:p>
+          <a:p>
+            <a:pPr lvl="1"/>
+            <a:r>
+              <a:rPr lang="en-US" altLang="zh-CN"/>
+              <a:t>agentid</a:t>
+            </a:r>
+            <a:endParaRPr lang="en-US" altLang="zh-CN"/>
+          </a:p>
+          <a:p>
+            <a:pPr lvl="2"/>
+            <a:r>
+              <a:t>每个应用唯一</a:t>
+            </a:r>
+          </a:p>
+          <a:p>
+            <a:pPr lvl="1"/>
+            <a:r>
+              <a:rPr lang="en-US" altLang="zh-CN"/>
+              <a:t>secret</a:t>
+            </a:r>
+            <a:endParaRPr lang="en-US" altLang="zh-CN"/>
+          </a:p>
+          <a:p>
+            <a:pPr lvl="2"/>
+            <a:r>
+              <a:t>每个应用独立的访问密钥</a:t>
+            </a:r>
+          </a:p>
+          <a:p>
+            <a:pPr lvl="1"/>
+            <a:r>
+              <a:rPr lang="en-US" altLang="zh-CN"/>
+              <a:t>access_token</a:t>
+            </a:r>
+            <a:endParaRPr lang="en-US" altLang="zh-CN"/>
+          </a:p>
+          <a:p>
+            <a:pPr lvl="2"/>
+            <a:r>
+              <a:rPr lang="en-US" altLang="zh-CN"/>
+              <a:t>企业后台去企业微信的后台获取信息时的重要票据</a:t>
+            </a:r>
+            <a:endParaRPr lang="en-US" altLang="zh-CN"/>
+          </a:p>
+          <a:p>
+            <a:pPr lvl="2"/>
+            <a:r>
+              <a:rPr lang="en-US" altLang="zh-CN"/>
+              <a:t>由corpid和secret产生</a:t>
+            </a:r>
+            <a:endParaRPr lang="en-US" altLang="zh-CN"/>
+          </a:p>
+        </p:txBody>
+      </p:sp>
+      <p:pic>
+        <p:nvPicPr>
+          <p:cNvPr id="101" name="图片 100"/>
+          <p:cNvPicPr/>
+          <p:nvPr/>
+        </p:nvPicPr>
+        <p:blipFill>
+          <a:blip r:embed="rId1"/>
+          <a:stretch>
+            <a:fillRect/>
+          </a:stretch>
+        </p:blipFill>
+        <p:spPr>
+          <a:xfrm>
+            <a:off x="6528435" y="836930"/>
+            <a:ext cx="5681345" cy="1200150"/>
+          </a:xfrm>
+          <a:prstGeom prst="rect">
+            <a:avLst/>
+          </a:prstGeom>
+          <a:noFill/>
+          <a:ln w="9525">
+            <a:noFill/>
+          </a:ln>
+        </p:spPr>
+      </p:pic>
+    </p:spTree>
+    <p:custDataLst>
+      <p:tags r:id="rId2"/>
+    </p:custDataLst>
+  </p:cSld>
+  <p:clrMapOvr>
+    <a:masterClrMapping/>
+  </p:clrMapOvr>
+</p:sld>
+</file>
+
+<file path=ppt/slides/slide9.xml><?xml version="1.0" encoding="utf-8"?>
+<p:sld xmlns:a="http://schemas.openxmlformats.org/drawingml/2006/main" xmlns:r="http://schemas.openxmlformats.org/officeDocument/2006/relationships" xmlns:p="http://schemas.openxmlformats.org/presentationml/2006/main">
+  <p:cSld>
+    <p:spTree>
+      <p:nvGrpSpPr>
+        <p:cNvPr id="1" name=""/>
+        <p:cNvGrpSpPr/>
+        <p:nvPr/>
+      </p:nvGrpSpPr>
+      <p:grpSpPr/>
+      <p:sp>
+        <p:nvSpPr>
+          <p:cNvPr id="2" name="标题 1"/>
+          <p:cNvSpPr>
+            <a:spLocks noGrp="1"/>
+          </p:cNvSpPr>
+          <p:nvPr>
+            <p:ph type="title"/>
+          </p:nvPr>
+        </p:nvSpPr>
+        <p:spPr/>
+        <p:txBody>
+          <a:bodyPr/>
+          <a:p>
+            <a:r>
+              <a:t>授权</a:t>
+            </a:r>
+          </a:p>
+        </p:txBody>
+      </p:sp>
+      <p:sp>
+        <p:nvSpPr>
+          <p:cNvPr id="3" name="内容占位符 2"/>
+          <p:cNvSpPr>
+            <a:spLocks noGrp="1"/>
+          </p:cNvSpPr>
+          <p:nvPr>
+            <p:ph idx="1"/>
+          </p:nvPr>
+        </p:nvSpPr>
+        <p:spPr>
+          <a:xfrm>
+            <a:off x="669925" y="952500"/>
+            <a:ext cx="4599305" cy="5389245"/>
+          </a:xfrm>
+        </p:spPr>
+        <p:txBody>
+          <a:bodyPr/>
+          <a:p>
+            <a:r>
+              <a:rPr lang="zh-CN" altLang="en-US"/>
+              <a:t>方式</a:t>
+            </a:r>
+            <a:endParaRPr lang="zh-CN" altLang="en-US"/>
+          </a:p>
+          <a:p>
+            <a:pPr lvl="1"/>
+            <a:r>
+              <a:rPr lang="zh-CN" altLang="en-US"/>
+              <a:t>静默授权</a:t>
+            </a:r>
+            <a:endParaRPr lang="zh-CN" altLang="en-US"/>
+          </a:p>
+          <a:p>
+            <a:pPr lvl="1"/>
+            <a:r>
+              <a:rPr lang="zh-CN" altLang="en-US"/>
+              <a:t>手动授权</a:t>
+            </a:r>
+            <a:endParaRPr lang="zh-CN" altLang="en-US"/>
+          </a:p>
+        </p:txBody>
+      </p:sp>
+      <p:pic>
+        <p:nvPicPr>
+          <p:cNvPr id="5" name="图片 4"/>
+          <p:cNvPicPr>
+            <a:picLocks noChangeAspect="1"/>
+          </p:cNvPicPr>
+          <p:nvPr>
+            <p:custDataLst>
+              <p:tags r:id="rId1"/>
+            </p:custDataLst>
+          </p:nvPr>
+        </p:nvPicPr>
+        <p:blipFill>
+          <a:blip r:embed="rId2"/>
+          <a:stretch>
+            <a:fillRect/>
+          </a:stretch>
+        </p:blipFill>
+        <p:spPr>
+          <a:xfrm>
+            <a:off x="4944110" y="443230"/>
+            <a:ext cx="6404610" cy="5780405"/>
+          </a:xfrm>
+          <a:prstGeom prst="rect">
+            <a:avLst/>
+          </a:prstGeom>
+        </p:spPr>
+      </p:pic>
+    </p:spTree>
+    <p:custDataLst>
+      <p:tags r:id="rId3"/>
     </p:custDataLst>
   </p:cSld>
   <p:clrMapOvr>
@@ -25033,6 +26019,74 @@
 </p:tagLst>
 </file>
 
+<file path=ppt/tags/tag271.xml><?xml version="1.0" encoding="utf-8"?>
+<p:tagLst xmlns:p="http://schemas.openxmlformats.org/presentationml/2006/main">
+  <p:tag name="KSO_WM_UNIT_PLACING_PICTURE_USER_VIEWPORT" val="{&quot;height&quot;:9222,&quot;width&quot;:6189}"/>
+</p:tagLst>
+</file>
+
+<file path=ppt/tags/tag272.xml><?xml version="1.0" encoding="utf-8"?>
+<p:tagLst xmlns:p="http://schemas.openxmlformats.org/presentationml/2006/main">
+  <p:tag name="KSO_WM_BEAUTIFY_FLAG" val="#wm#"/>
+  <p:tag name="KSO_WM_TEMPLATE_CATEGORY" val="custom"/>
+  <p:tag name="KSO_WM_TEMPLATE_INDEX" val="20194031"/>
+</p:tagLst>
+</file>
+
+<file path=ppt/tags/tag273.xml><?xml version="1.0" encoding="utf-8"?>
+<p:tagLst xmlns:p="http://schemas.openxmlformats.org/presentationml/2006/main">
+  <p:tag name="KSO_WM_BEAUTIFY_FLAG" val="#wm#"/>
+  <p:tag name="KSO_WM_TEMPLATE_CATEGORY" val="custom"/>
+  <p:tag name="KSO_WM_TEMPLATE_INDEX" val="20194031"/>
+</p:tagLst>
+</file>
+
+<file path=ppt/tags/tag274.xml><?xml version="1.0" encoding="utf-8"?>
+<p:tagLst xmlns:p="http://schemas.openxmlformats.org/presentationml/2006/main">
+  <p:tag name="KSO_WM_BEAUTIFY_FLAG" val="#wm#"/>
+  <p:tag name="KSO_WM_TEMPLATE_CATEGORY" val="custom"/>
+  <p:tag name="KSO_WM_TEMPLATE_INDEX" val="20194031"/>
+</p:tagLst>
+</file>
+
+<file path=ppt/tags/tag275.xml><?xml version="1.0" encoding="utf-8"?>
+<p:tagLst xmlns:p="http://schemas.openxmlformats.org/presentationml/2006/main">
+  <p:tag name="KSO_WM_BEAUTIFY_FLAG" val="#wm#"/>
+  <p:tag name="KSO_WM_TEMPLATE_CATEGORY" val="custom"/>
+  <p:tag name="KSO_WM_TEMPLATE_INDEX" val="20194031"/>
+</p:tagLst>
+</file>
+
+<file path=ppt/tags/tag276.xml><?xml version="1.0" encoding="utf-8"?>
+<p:tagLst xmlns:p="http://schemas.openxmlformats.org/presentationml/2006/main">
+  <p:tag name="KSO_WM_BEAUTIFY_FLAG" val="#wm#"/>
+  <p:tag name="KSO_WM_TEMPLATE_CATEGORY" val="custom"/>
+  <p:tag name="KSO_WM_TEMPLATE_INDEX" val="20194031"/>
+</p:tagLst>
+</file>
+
+<file path=ppt/tags/tag277.xml><?xml version="1.0" encoding="utf-8"?>
+<p:tagLst xmlns:p="http://schemas.openxmlformats.org/presentationml/2006/main">
+  <p:tag name="KSO_WM_UNIT_PLACING_PICTURE_USER_VIEWPORT" val="{&quot;height&quot;:10224,&quot;width&quot;:11328}"/>
+</p:tagLst>
+</file>
+
+<file path=ppt/tags/tag278.xml><?xml version="1.0" encoding="utf-8"?>
+<p:tagLst xmlns:p="http://schemas.openxmlformats.org/presentationml/2006/main">
+  <p:tag name="KSO_WM_BEAUTIFY_FLAG" val="#wm#"/>
+  <p:tag name="KSO_WM_TEMPLATE_CATEGORY" val="custom"/>
+  <p:tag name="KSO_WM_TEMPLATE_INDEX" val="20194031"/>
+</p:tagLst>
+</file>
+
+<file path=ppt/tags/tag279.xml><?xml version="1.0" encoding="utf-8"?>
+<p:tagLst xmlns:p="http://schemas.openxmlformats.org/presentationml/2006/main">
+  <p:tag name="KSO_WM_BEAUTIFY_FLAG" val="#wm#"/>
+  <p:tag name="KSO_WM_TEMPLATE_CATEGORY" val="custom"/>
+  <p:tag name="KSO_WM_TEMPLATE_INDEX" val="20194031"/>
+</p:tagLst>
+</file>
+
 <file path=ppt/tags/tag28.xml><?xml version="1.0" encoding="utf-8"?>
 <p:tagLst xmlns:p="http://schemas.openxmlformats.org/presentationml/2006/main">
   <p:tag name="KSO_WM_UNIT_HIGHLIGHT" val="0"/>
@@ -25044,6 +26098,13 @@
   <p:tag name="KSO_WM_TAG_VERSION" val="1.0"/>
   <p:tag name="KSO_WM_BEAUTIFY_FLAG" val="#wm#"/>
   <p:tag name="KSO_WM_UNIT_LARGE_SHAPE" val="1"/>
+</p:tagLst>
+</file>
+
+<file path=ppt/tags/tag280.xml><?xml version="1.0" encoding="utf-8"?>
+<p:tagLst xmlns:p="http://schemas.openxmlformats.org/presentationml/2006/main">
+  <p:tag name="KSO_WPP_MARK_KEY" val="16057ed1-a871-4dec-9389-c7e92a1cf727"/>
+  <p:tag name="COMMONDATA" val="eyJoZGlkIjoiODcwZjc5M2RmYzUwOWE5MjVkODVjZGMyZDUwOTRjYmEifQ=="/>
 </p:tagLst>
 </file>
 
